--- a/platform/examples/examples.rtsa/docs/Examples_RTSA.pptx
+++ b/platform/examples/examples.rtsa/docs/Examples_RTSA.pptx
@@ -261,7 +261,7 @@
           <a:p>
             <a:fld id="{D5B82AE6-E612-48AC-BCA1-8D558D7A7716}" type="datetimeFigureOut">
               <a:rPr lang="en-DE" smtClean="0"/>
-              <a:t>19/09/2022</a:t>
+              <a:t>05/12/2022</a:t>
             </a:fld>
             <a:endParaRPr lang="en-DE"/>
           </a:p>
@@ -461,7 +461,7 @@
           <a:p>
             <a:fld id="{D5B82AE6-E612-48AC-BCA1-8D558D7A7716}" type="datetimeFigureOut">
               <a:rPr lang="en-DE" smtClean="0"/>
-              <a:t>19/09/2022</a:t>
+              <a:t>05/12/2022</a:t>
             </a:fld>
             <a:endParaRPr lang="en-DE"/>
           </a:p>
@@ -671,7 +671,7 @@
           <a:p>
             <a:fld id="{D5B82AE6-E612-48AC-BCA1-8D558D7A7716}" type="datetimeFigureOut">
               <a:rPr lang="en-DE" smtClean="0"/>
-              <a:t>19/09/2022</a:t>
+              <a:t>05/12/2022</a:t>
             </a:fld>
             <a:endParaRPr lang="en-DE"/>
           </a:p>
@@ -871,7 +871,7 @@
           <a:p>
             <a:fld id="{D5B82AE6-E612-48AC-BCA1-8D558D7A7716}" type="datetimeFigureOut">
               <a:rPr lang="en-DE" smtClean="0"/>
-              <a:t>19/09/2022</a:t>
+              <a:t>05/12/2022</a:t>
             </a:fld>
             <a:endParaRPr lang="en-DE"/>
           </a:p>
@@ -1147,7 +1147,7 @@
           <a:p>
             <a:fld id="{D5B82AE6-E612-48AC-BCA1-8D558D7A7716}" type="datetimeFigureOut">
               <a:rPr lang="en-DE" smtClean="0"/>
-              <a:t>19/09/2022</a:t>
+              <a:t>05/12/2022</a:t>
             </a:fld>
             <a:endParaRPr lang="en-DE"/>
           </a:p>
@@ -1415,7 +1415,7 @@
           <a:p>
             <a:fld id="{D5B82AE6-E612-48AC-BCA1-8D558D7A7716}" type="datetimeFigureOut">
               <a:rPr lang="en-DE" smtClean="0"/>
-              <a:t>19/09/2022</a:t>
+              <a:t>05/12/2022</a:t>
             </a:fld>
             <a:endParaRPr lang="en-DE"/>
           </a:p>
@@ -1830,7 +1830,7 @@
           <a:p>
             <a:fld id="{D5B82AE6-E612-48AC-BCA1-8D558D7A7716}" type="datetimeFigureOut">
               <a:rPr lang="en-DE" smtClean="0"/>
-              <a:t>19/09/2022</a:t>
+              <a:t>05/12/2022</a:t>
             </a:fld>
             <a:endParaRPr lang="en-DE"/>
           </a:p>
@@ -1972,7 +1972,7 @@
           <a:p>
             <a:fld id="{D5B82AE6-E612-48AC-BCA1-8D558D7A7716}" type="datetimeFigureOut">
               <a:rPr lang="en-DE" smtClean="0"/>
-              <a:t>19/09/2022</a:t>
+              <a:t>05/12/2022</a:t>
             </a:fld>
             <a:endParaRPr lang="en-DE"/>
           </a:p>
@@ -2085,7 +2085,7 @@
           <a:p>
             <a:fld id="{D5B82AE6-E612-48AC-BCA1-8D558D7A7716}" type="datetimeFigureOut">
               <a:rPr lang="en-DE" smtClean="0"/>
-              <a:t>19/09/2022</a:t>
+              <a:t>05/12/2022</a:t>
             </a:fld>
             <a:endParaRPr lang="en-DE"/>
           </a:p>
@@ -2398,7 +2398,7 @@
           <a:p>
             <a:fld id="{D5B82AE6-E612-48AC-BCA1-8D558D7A7716}" type="datetimeFigureOut">
               <a:rPr lang="en-DE" smtClean="0"/>
-              <a:t>19/09/2022</a:t>
+              <a:t>05/12/2022</a:t>
             </a:fld>
             <a:endParaRPr lang="en-DE"/>
           </a:p>
@@ -2687,7 +2687,7 @@
           <a:p>
             <a:fld id="{D5B82AE6-E612-48AC-BCA1-8D558D7A7716}" type="datetimeFigureOut">
               <a:rPr lang="en-DE" smtClean="0"/>
-              <a:t>19/09/2022</a:t>
+              <a:t>05/12/2022</a:t>
             </a:fld>
             <a:endParaRPr lang="en-DE"/>
           </a:p>
@@ -2930,7 +2930,7 @@
           <a:p>
             <a:fld id="{D5B82AE6-E612-48AC-BCA1-8D558D7A7716}" type="datetimeFigureOut">
               <a:rPr lang="en-DE" smtClean="0"/>
-              <a:t>19/09/2022</a:t>
+              <a:t>05/12/2022</a:t>
             </a:fld>
             <a:endParaRPr lang="en-DE"/>
           </a:p>
@@ -3570,88 +3570,6 @@
           </a:p>
         </p:txBody>
       </p:sp>
-      <p:cxnSp>
-        <p:nvCxnSpPr>
-          <p:cNvPr id="32" name="Connector: Elbow 31">
-            <a:extLst>
-              <a:ext uri="{FF2B5EF4-FFF2-40B4-BE49-F238E27FC236}">
-                <a16:creationId xmlns:a16="http://schemas.microsoft.com/office/drawing/2014/main" id="{78086D3D-CA62-4BA2-8F3C-AE8441DE10BF}"/>
-              </a:ext>
-            </a:extLst>
-          </p:cNvPr>
-          <p:cNvCxnSpPr>
-            <a:cxnSpLocks/>
-            <a:stCxn id="51" idx="1"/>
-            <a:endCxn id="34" idx="0"/>
-          </p:cNvCxnSpPr>
-          <p:nvPr/>
-        </p:nvCxnSpPr>
-        <p:spPr>
-          <a:xfrm rot="10800000" flipV="1">
-            <a:off x="1915869" y="1816266"/>
-            <a:ext cx="8250335" cy="1051122"/>
-          </a:xfrm>
-          <a:prstGeom prst="bentConnector2">
-            <a:avLst/>
-          </a:prstGeom>
-          <a:ln>
-            <a:solidFill>
-              <a:srgbClr val="C00000"/>
-            </a:solidFill>
-            <a:tailEnd type="triangle"/>
-          </a:ln>
-        </p:spPr>
-        <p:style>
-          <a:lnRef idx="1">
-            <a:schemeClr val="accent1"/>
-          </a:lnRef>
-          <a:fillRef idx="0">
-            <a:schemeClr val="accent1"/>
-          </a:fillRef>
-          <a:effectRef idx="0">
-            <a:schemeClr val="accent1"/>
-          </a:effectRef>
-          <a:fontRef idx="minor">
-            <a:schemeClr val="tx1"/>
-          </a:fontRef>
-        </p:style>
-      </p:cxnSp>
-      <p:sp>
-        <p:nvSpPr>
-          <p:cNvPr id="35" name="TextBox 34">
-            <a:extLst>
-              <a:ext uri="{FF2B5EF4-FFF2-40B4-BE49-F238E27FC236}">
-                <a16:creationId xmlns:a16="http://schemas.microsoft.com/office/drawing/2014/main" id="{47886465-5AD2-4A85-906E-D7B742BCBB2B}"/>
-              </a:ext>
-            </a:extLst>
-          </p:cNvPr>
-          <p:cNvSpPr txBox="1"/>
-          <p:nvPr/>
-        </p:nvSpPr>
-        <p:spPr>
-          <a:xfrm>
-            <a:off x="5276112" y="1487075"/>
-            <a:ext cx="1992597" cy="369332"/>
-          </a:xfrm>
-          <a:prstGeom prst="rect">
-            <a:avLst/>
-          </a:prstGeom>
-          <a:noFill/>
-        </p:spPr>
-        <p:txBody>
-          <a:bodyPr wrap="none" rtlCol="0">
-            <a:spAutoFit/>
-          </a:bodyPr>
-          <a:lstStyle/>
-          <a:p>
-            <a:r>
-              <a:rPr lang="en-GB" dirty="0"/>
-              <a:t>Routing commands</a:t>
-            </a:r>
-            <a:endParaRPr lang="en-DE" dirty="0"/>
-          </a:p>
-        </p:txBody>
-      </p:sp>
       <p:sp>
         <p:nvSpPr>
           <p:cNvPr id="70" name="Rectangle 69">
@@ -3999,98 +3917,6 @@
           </a:p>
         </p:txBody>
       </p:sp>
-      <p:cxnSp>
-        <p:nvCxnSpPr>
-          <p:cNvPr id="54" name="Connector: Elbow 31">
-            <a:extLst>
-              <a:ext uri="{FF2B5EF4-FFF2-40B4-BE49-F238E27FC236}">
-                <a16:creationId xmlns:a16="http://schemas.microsoft.com/office/drawing/2014/main" id="{78086D3D-CA62-4BA2-8F3C-AE8441DE10BF}"/>
-              </a:ext>
-            </a:extLst>
-          </p:cNvPr>
-          <p:cNvCxnSpPr>
-            <a:cxnSpLocks/>
-            <a:stCxn id="51" idx="1"/>
-            <a:endCxn id="37" idx="0"/>
-          </p:cNvCxnSpPr>
-          <p:nvPr/>
-        </p:nvCxnSpPr>
-        <p:spPr>
-          <a:xfrm rot="10800000" flipV="1">
-            <a:off x="5310047" y="1816265"/>
-            <a:ext cx="4856157" cy="1051123"/>
-          </a:xfrm>
-          <a:prstGeom prst="bentConnector2">
-            <a:avLst/>
-          </a:prstGeom>
-          <a:ln>
-            <a:solidFill>
-              <a:srgbClr val="C00000"/>
-            </a:solidFill>
-            <a:tailEnd type="triangle"/>
-          </a:ln>
-        </p:spPr>
-        <p:style>
-          <a:lnRef idx="1">
-            <a:schemeClr val="accent1"/>
-          </a:lnRef>
-          <a:fillRef idx="0">
-            <a:schemeClr val="accent1"/>
-          </a:fillRef>
-          <a:effectRef idx="0">
-            <a:schemeClr val="accent1"/>
-          </a:effectRef>
-          <a:fontRef idx="minor">
-            <a:schemeClr val="tx1"/>
-          </a:fontRef>
-        </p:style>
-      </p:cxnSp>
-      <p:cxnSp>
-        <p:nvCxnSpPr>
-          <p:cNvPr id="55" name="Connector: Elbow 31">
-            <a:extLst>
-              <a:ext uri="{FF2B5EF4-FFF2-40B4-BE49-F238E27FC236}">
-                <a16:creationId xmlns:a16="http://schemas.microsoft.com/office/drawing/2014/main" id="{78086D3D-CA62-4BA2-8F3C-AE8441DE10BF}"/>
-              </a:ext>
-            </a:extLst>
-          </p:cNvPr>
-          <p:cNvCxnSpPr>
-            <a:cxnSpLocks/>
-            <a:stCxn id="51" idx="1"/>
-            <a:endCxn id="41" idx="0"/>
-          </p:cNvCxnSpPr>
-          <p:nvPr/>
-        </p:nvCxnSpPr>
-        <p:spPr>
-          <a:xfrm rot="10800000" flipV="1">
-            <a:off x="9458395" y="1816266"/>
-            <a:ext cx="707809" cy="1054064"/>
-          </a:xfrm>
-          <a:prstGeom prst="bentConnector2">
-            <a:avLst/>
-          </a:prstGeom>
-          <a:ln>
-            <a:solidFill>
-              <a:srgbClr val="C00000"/>
-            </a:solidFill>
-            <a:tailEnd type="triangle"/>
-          </a:ln>
-        </p:spPr>
-        <p:style>
-          <a:lnRef idx="1">
-            <a:schemeClr val="accent1"/>
-          </a:lnRef>
-          <a:fillRef idx="0">
-            <a:schemeClr val="accent1"/>
-          </a:fillRef>
-          <a:effectRef idx="0">
-            <a:schemeClr val="accent1"/>
-          </a:effectRef>
-          <a:fontRef idx="minor">
-            <a:schemeClr val="tx1"/>
-          </a:fontRef>
-        </p:style>
-      </p:cxnSp>
       <p:sp>
         <p:nvSpPr>
           <p:cNvPr id="72" name="TextBox 24">

--- a/platform/examples/examples.rtsa/docs/Examples_RTSA.pptx
+++ b/platform/examples/examples.rtsa/docs/Examples_RTSA.pptx
@@ -261,7 +261,7 @@
           <a:p>
             <a:fld id="{D5B82AE6-E612-48AC-BCA1-8D558D7A7716}" type="datetimeFigureOut">
               <a:rPr lang="en-DE" smtClean="0"/>
-              <a:t>05/12/2022</a:t>
+              <a:t>27/03/2024</a:t>
             </a:fld>
             <a:endParaRPr lang="en-DE"/>
           </a:p>
@@ -315,7 +315,7 @@
           <a:p>
             <a:fld id="{A0229028-759D-4210-9927-1485AD01E42E}" type="slidenum">
               <a:rPr lang="en-DE" smtClean="0"/>
-              <a:t>‹Nr.›</a:t>
+              <a:t>‹#›</a:t>
             </a:fld>
             <a:endParaRPr lang="en-DE"/>
           </a:p>
@@ -461,7 +461,7 @@
           <a:p>
             <a:fld id="{D5B82AE6-E612-48AC-BCA1-8D558D7A7716}" type="datetimeFigureOut">
               <a:rPr lang="en-DE" smtClean="0"/>
-              <a:t>05/12/2022</a:t>
+              <a:t>27/03/2024</a:t>
             </a:fld>
             <a:endParaRPr lang="en-DE"/>
           </a:p>
@@ -515,7 +515,7 @@
           <a:p>
             <a:fld id="{A0229028-759D-4210-9927-1485AD01E42E}" type="slidenum">
               <a:rPr lang="en-DE" smtClean="0"/>
-              <a:t>‹Nr.›</a:t>
+              <a:t>‹#›</a:t>
             </a:fld>
             <a:endParaRPr lang="en-DE"/>
           </a:p>
@@ -671,7 +671,7 @@
           <a:p>
             <a:fld id="{D5B82AE6-E612-48AC-BCA1-8D558D7A7716}" type="datetimeFigureOut">
               <a:rPr lang="en-DE" smtClean="0"/>
-              <a:t>05/12/2022</a:t>
+              <a:t>27/03/2024</a:t>
             </a:fld>
             <a:endParaRPr lang="en-DE"/>
           </a:p>
@@ -725,7 +725,7 @@
           <a:p>
             <a:fld id="{A0229028-759D-4210-9927-1485AD01E42E}" type="slidenum">
               <a:rPr lang="en-DE" smtClean="0"/>
-              <a:t>‹Nr.›</a:t>
+              <a:t>‹#›</a:t>
             </a:fld>
             <a:endParaRPr lang="en-DE"/>
           </a:p>
@@ -871,7 +871,7 @@
           <a:p>
             <a:fld id="{D5B82AE6-E612-48AC-BCA1-8D558D7A7716}" type="datetimeFigureOut">
               <a:rPr lang="en-DE" smtClean="0"/>
-              <a:t>05/12/2022</a:t>
+              <a:t>27/03/2024</a:t>
             </a:fld>
             <a:endParaRPr lang="en-DE"/>
           </a:p>
@@ -925,7 +925,7 @@
           <a:p>
             <a:fld id="{A0229028-759D-4210-9927-1485AD01E42E}" type="slidenum">
               <a:rPr lang="en-DE" smtClean="0"/>
-              <a:t>‹Nr.›</a:t>
+              <a:t>‹#›</a:t>
             </a:fld>
             <a:endParaRPr lang="en-DE"/>
           </a:p>
@@ -1147,7 +1147,7 @@
           <a:p>
             <a:fld id="{D5B82AE6-E612-48AC-BCA1-8D558D7A7716}" type="datetimeFigureOut">
               <a:rPr lang="en-DE" smtClean="0"/>
-              <a:t>05/12/2022</a:t>
+              <a:t>27/03/2024</a:t>
             </a:fld>
             <a:endParaRPr lang="en-DE"/>
           </a:p>
@@ -1201,7 +1201,7 @@
           <a:p>
             <a:fld id="{A0229028-759D-4210-9927-1485AD01E42E}" type="slidenum">
               <a:rPr lang="en-DE" smtClean="0"/>
-              <a:t>‹Nr.›</a:t>
+              <a:t>‹#›</a:t>
             </a:fld>
             <a:endParaRPr lang="en-DE"/>
           </a:p>
@@ -1415,7 +1415,7 @@
           <a:p>
             <a:fld id="{D5B82AE6-E612-48AC-BCA1-8D558D7A7716}" type="datetimeFigureOut">
               <a:rPr lang="en-DE" smtClean="0"/>
-              <a:t>05/12/2022</a:t>
+              <a:t>27/03/2024</a:t>
             </a:fld>
             <a:endParaRPr lang="en-DE"/>
           </a:p>
@@ -1469,7 +1469,7 @@
           <a:p>
             <a:fld id="{A0229028-759D-4210-9927-1485AD01E42E}" type="slidenum">
               <a:rPr lang="en-DE" smtClean="0"/>
-              <a:t>‹Nr.›</a:t>
+              <a:t>‹#›</a:t>
             </a:fld>
             <a:endParaRPr lang="en-DE"/>
           </a:p>
@@ -1830,7 +1830,7 @@
           <a:p>
             <a:fld id="{D5B82AE6-E612-48AC-BCA1-8D558D7A7716}" type="datetimeFigureOut">
               <a:rPr lang="en-DE" smtClean="0"/>
-              <a:t>05/12/2022</a:t>
+              <a:t>27/03/2024</a:t>
             </a:fld>
             <a:endParaRPr lang="en-DE"/>
           </a:p>
@@ -1884,7 +1884,7 @@
           <a:p>
             <a:fld id="{A0229028-759D-4210-9927-1485AD01E42E}" type="slidenum">
               <a:rPr lang="en-DE" smtClean="0"/>
-              <a:t>‹Nr.›</a:t>
+              <a:t>‹#›</a:t>
             </a:fld>
             <a:endParaRPr lang="en-DE"/>
           </a:p>
@@ -1972,7 +1972,7 @@
           <a:p>
             <a:fld id="{D5B82AE6-E612-48AC-BCA1-8D558D7A7716}" type="datetimeFigureOut">
               <a:rPr lang="en-DE" smtClean="0"/>
-              <a:t>05/12/2022</a:t>
+              <a:t>27/03/2024</a:t>
             </a:fld>
             <a:endParaRPr lang="en-DE"/>
           </a:p>
@@ -2026,7 +2026,7 @@
           <a:p>
             <a:fld id="{A0229028-759D-4210-9927-1485AD01E42E}" type="slidenum">
               <a:rPr lang="en-DE" smtClean="0"/>
-              <a:t>‹Nr.›</a:t>
+              <a:t>‹#›</a:t>
             </a:fld>
             <a:endParaRPr lang="en-DE"/>
           </a:p>
@@ -2085,7 +2085,7 @@
           <a:p>
             <a:fld id="{D5B82AE6-E612-48AC-BCA1-8D558D7A7716}" type="datetimeFigureOut">
               <a:rPr lang="en-DE" smtClean="0"/>
-              <a:t>05/12/2022</a:t>
+              <a:t>27/03/2024</a:t>
             </a:fld>
             <a:endParaRPr lang="en-DE"/>
           </a:p>
@@ -2139,7 +2139,7 @@
           <a:p>
             <a:fld id="{A0229028-759D-4210-9927-1485AD01E42E}" type="slidenum">
               <a:rPr lang="en-DE" smtClean="0"/>
-              <a:t>‹Nr.›</a:t>
+              <a:t>‹#›</a:t>
             </a:fld>
             <a:endParaRPr lang="en-DE"/>
           </a:p>
@@ -2398,7 +2398,7 @@
           <a:p>
             <a:fld id="{D5B82AE6-E612-48AC-BCA1-8D558D7A7716}" type="datetimeFigureOut">
               <a:rPr lang="en-DE" smtClean="0"/>
-              <a:t>05/12/2022</a:t>
+              <a:t>27/03/2024</a:t>
             </a:fld>
             <a:endParaRPr lang="en-DE"/>
           </a:p>
@@ -2452,7 +2452,7 @@
           <a:p>
             <a:fld id="{A0229028-759D-4210-9927-1485AD01E42E}" type="slidenum">
               <a:rPr lang="en-DE" smtClean="0"/>
-              <a:t>‹Nr.›</a:t>
+              <a:t>‹#›</a:t>
             </a:fld>
             <a:endParaRPr lang="en-DE"/>
           </a:p>
@@ -2687,7 +2687,7 @@
           <a:p>
             <a:fld id="{D5B82AE6-E612-48AC-BCA1-8D558D7A7716}" type="datetimeFigureOut">
               <a:rPr lang="en-DE" smtClean="0"/>
-              <a:t>05/12/2022</a:t>
+              <a:t>27/03/2024</a:t>
             </a:fld>
             <a:endParaRPr lang="en-DE"/>
           </a:p>
@@ -2741,7 +2741,7 @@
           <a:p>
             <a:fld id="{A0229028-759D-4210-9927-1485AD01E42E}" type="slidenum">
               <a:rPr lang="en-DE" smtClean="0"/>
-              <a:t>‹Nr.›</a:t>
+              <a:t>‹#›</a:t>
             </a:fld>
             <a:endParaRPr lang="en-DE"/>
           </a:p>
@@ -2930,7 +2930,7 @@
           <a:p>
             <a:fld id="{D5B82AE6-E612-48AC-BCA1-8D558D7A7716}" type="datetimeFigureOut">
               <a:rPr lang="en-DE" smtClean="0"/>
-              <a:t>05/12/2022</a:t>
+              <a:t>27/03/2024</a:t>
             </a:fld>
             <a:endParaRPr lang="en-DE"/>
           </a:p>
@@ -3020,7 +3020,7 @@
           <a:p>
             <a:fld id="{A0229028-759D-4210-9927-1485AD01E42E}" type="slidenum">
               <a:rPr lang="en-DE" smtClean="0"/>
-              <a:t>‹Nr.›</a:t>
+              <a:t>‹#›</a:t>
             </a:fld>
             <a:endParaRPr lang="en-DE"/>
           </a:p>
@@ -3450,7 +3450,7 @@
         <p:spPr>
           <a:xfrm>
             <a:off x="838200" y="4796185"/>
-            <a:ext cx="10566288" cy="1938992"/>
+            <a:ext cx="10566288" cy="1631216"/>
           </a:xfrm>
           <a:prstGeom prst="rect">
             <a:avLst/>
@@ -3464,7 +3464,15 @@
           <a:p>
             <a:r>
               <a:rPr lang="en-GB" sz="2000" dirty="0"/>
-              <a:t>This example tests the application of the RapidMiner RTSA as a service for the IIP-Ecosphere platform.</a:t>
+              <a:t>This example tests the application of the RapidMiner RTSA as a service for </a:t>
+            </a:r>
+            <a:r>
+              <a:rPr lang="en-GB" sz="2000"/>
+              <a:t>the oktoflow </a:t>
+            </a:r>
+            <a:r>
+              <a:rPr lang="en-GB" sz="2000" dirty="0"/>
+              <a:t>platform.</a:t>
             </a:r>
           </a:p>
           <a:p>
@@ -3489,15 +3497,7 @@
             </a:r>
             <a:r>
               <a:rPr lang="en-GB" sz="2000" dirty="0"/>
-              <a:t> emits data which </a:t>
-            </a:r>
-            <a:r>
-              <a:rPr lang="en-GB" sz="2000"/>
-              <a:t>is classified by </a:t>
-            </a:r>
-            <a:r>
-              <a:rPr lang="en-GB" sz="2000" dirty="0"/>
-              <a:t>the </a:t>
+              <a:t> emits data which is classified by the </a:t>
             </a:r>
             <a:r>
               <a:rPr lang="en-GB" sz="2000" b="1" dirty="0"/>
@@ -3876,8 +3876,8 @@
         </p:nvSpPr>
         <p:spPr>
           <a:xfrm>
-            <a:off x="10697210" y="2728890"/>
-            <a:ext cx="1207190" cy="923330"/>
+            <a:off x="10697210" y="2870697"/>
+            <a:ext cx="1207190" cy="646331"/>
           </a:xfrm>
           <a:prstGeom prst="rect">
             <a:avLst/>
@@ -3904,16 +3904,9 @@
           <a:p>
             <a:r>
               <a:rPr lang="en-GB" dirty="0"/>
-              <a:t>Java, </a:t>
-            </a:r>
-            <a:r>
-              <a:rPr lang="en-GB" dirty="0" err="1"/>
-              <a:t>async</a:t>
+              <a:t>Java, async</a:t>
             </a:r>
             <a:endParaRPr lang="en-DE" dirty="0"/>
-          </a:p>
-          <a:p>
-            <a:endParaRPr lang="en-GB" b="1" dirty="0"/>
           </a:p>
         </p:txBody>
       </p:sp>
@@ -4059,9 +4052,9 @@
           <p:nvPr/>
         </p:nvCxnSpPr>
         <p:spPr>
-          <a:xfrm flipV="1">
-            <a:off x="10317636" y="3190555"/>
-            <a:ext cx="379574" cy="2941"/>
+          <a:xfrm>
+            <a:off x="10317636" y="3193496"/>
+            <a:ext cx="379574" cy="367"/>
           </a:xfrm>
           <a:prstGeom prst="bentConnector3">
             <a:avLst>
@@ -4298,6 +4291,45 @@
           </a:p>
         </p:txBody>
       </p:sp>
+      <p:pic>
+        <p:nvPicPr>
+          <p:cNvPr id="22" name="Picture 21" descr="oktoflow">
+            <a:extLst>
+              <a:ext uri="{FF2B5EF4-FFF2-40B4-BE49-F238E27FC236}">
+                <a16:creationId xmlns:a16="http://schemas.microsoft.com/office/drawing/2014/main" id="{6C3BCEFF-C527-457A-8F00-0B943A1B0359}"/>
+              </a:ext>
+            </a:extLst>
+          </p:cNvPr>
+          <p:cNvPicPr/>
+          <p:nvPr/>
+        </p:nvPicPr>
+        <p:blipFill>
+          <a:blip r:embed="rId2" cstate="print">
+            <a:extLst>
+              <a:ext uri="{28A0092B-C50C-407E-A947-70E740481C1C}">
+                <a14:useLocalDpi xmlns:a14="http://schemas.microsoft.com/office/drawing/2010/main" val="0"/>
+              </a:ext>
+            </a:extLst>
+          </a:blip>
+          <a:srcRect/>
+          <a:stretch>
+            <a:fillRect/>
+          </a:stretch>
+        </p:blipFill>
+        <p:spPr bwMode="auto">
+          <a:xfrm>
+            <a:off x="10882874" y="17036"/>
+            <a:ext cx="1243963" cy="1072043"/>
+          </a:xfrm>
+          <a:prstGeom prst="rect">
+            <a:avLst/>
+          </a:prstGeom>
+          <a:noFill/>
+          <a:ln>
+            <a:noFill/>
+          </a:ln>
+        </p:spPr>
+      </p:pic>
     </p:spTree>
     <p:extLst>
       <p:ext uri="{BB962C8B-B14F-4D97-AF65-F5344CB8AC3E}">
@@ -4308,13 +4340,6 @@
   <p:clrMapOvr>
     <a:masterClrMapping/>
   </p:clrMapOvr>
-  <p:timing>
-    <p:tnLst>
-      <p:par>
-        <p:cTn id="1" dur="indefinite" restart="never" nodeType="tmRoot"/>
-      </p:par>
-    </p:tnLst>
-  </p:timing>
 </p:sld>
 </file>
 
